--- a/Project 1 Leds/Snake Game.pptx
+++ b/Project 1 Leds/Snake Game.pptx
@@ -141,6 +141,7 @@
 <p1510:revInfo xmlns:a="http://schemas.openxmlformats.org/drawingml/2006/main" xmlns:r="http://schemas.openxmlformats.org/officeDocument/2006/relationships" xmlns:p1510="http://schemas.microsoft.com/office/powerpoint/2015/10/main">
   <p1510:revLst>
     <p1510:client id="{9265D91F-CAFC-4170-899C-C646FB21800F}" v="23" dt="2023-03-29T23:22:47.945"/>
+    <p1510:client id="{B2B5C1C7-909E-4BC9-9A99-79C5D89D69DD}" v="1" dt="2023-03-29T23:32:22.363"/>
   </p1510:revLst>
 </p1510:revInfo>
 </file>
@@ -150,18 +151,18 @@
   <pc:docChgLst>
     <pc:chgData name="Honghao Huang (1000090458)" userId="d5954668-9154-4681-8903-52b7e871abbf" providerId="ADAL" clId="{B2B5C1C7-909E-4BC9-9A99-79C5D89D69DD}"/>
     <pc:docChg chg="modSld">
-      <pc:chgData name="Honghao Huang (1000090458)" userId="d5954668-9154-4681-8903-52b7e871abbf" providerId="ADAL" clId="{B2B5C1C7-909E-4BC9-9A99-79C5D89D69DD}" dt="2023-03-29T23:31:15.653" v="27" actId="20577"/>
+      <pc:chgData name="Honghao Huang (1000090458)" userId="d5954668-9154-4681-8903-52b7e871abbf" providerId="ADAL" clId="{B2B5C1C7-909E-4BC9-9A99-79C5D89D69DD}" dt="2023-03-29T23:32:50.435" v="48" actId="20577"/>
       <pc:docMkLst>
         <pc:docMk/>
       </pc:docMkLst>
       <pc:sldChg chg="modSp mod">
-        <pc:chgData name="Honghao Huang (1000090458)" userId="d5954668-9154-4681-8903-52b7e871abbf" providerId="ADAL" clId="{B2B5C1C7-909E-4BC9-9A99-79C5D89D69DD}" dt="2023-03-29T23:31:15.653" v="27" actId="20577"/>
+        <pc:chgData name="Honghao Huang (1000090458)" userId="d5954668-9154-4681-8903-52b7e871abbf" providerId="ADAL" clId="{B2B5C1C7-909E-4BC9-9A99-79C5D89D69DD}" dt="2023-03-29T23:32:50.435" v="48" actId="20577"/>
         <pc:sldMkLst>
           <pc:docMk/>
           <pc:sldMk cId="3247798845" sldId="391"/>
         </pc:sldMkLst>
         <pc:spChg chg="mod">
-          <ac:chgData name="Honghao Huang (1000090458)" userId="d5954668-9154-4681-8903-52b7e871abbf" providerId="ADAL" clId="{B2B5C1C7-909E-4BC9-9A99-79C5D89D69DD}" dt="2023-03-29T23:31:15.653" v="27" actId="20577"/>
+          <ac:chgData name="Honghao Huang (1000090458)" userId="d5954668-9154-4681-8903-52b7e871abbf" providerId="ADAL" clId="{B2B5C1C7-909E-4BC9-9A99-79C5D89D69DD}" dt="2023-03-29T23:32:50.435" v="48" actId="20577"/>
           <ac:spMkLst>
             <pc:docMk/>
             <pc:sldMk cId="3247798845" sldId="391"/>
@@ -14915,8 +14916,8 @@
         </p:nvSpPr>
         <p:spPr>
           <a:xfrm>
-            <a:off x="550863" y="3827610"/>
-            <a:ext cx="5437187" cy="2265216"/>
+            <a:off x="454233" y="3835498"/>
+            <a:ext cx="5986671" cy="2265216"/>
           </a:xfrm>
         </p:spPr>
         <p:txBody>
@@ -14931,13 +14932,29 @@
           <a:p>
             <a:r>
               <a:rPr lang="en-US" dirty="0"/>
-              <a:t>Email address </a:t>
+              <a:t>Email address : </a:t>
+            </a:r>
+            <a:r>
+              <a:rPr lang="en-US" dirty="0">
+                <a:hlinkClick r:id="rId2"/>
+              </a:rPr>
+              <a:t>haunh8@student.op.ac.nz</a:t>
+            </a:r>
+            <a:endParaRPr lang="en-US" dirty="0"/>
+          </a:p>
+          <a:p>
+            <a:r>
+              <a:rPr lang="en-US" dirty="0"/>
+              <a:t>GitHub </a:t>
             </a:r>
             <a:r>
               <a:rPr lang="en-US"/>
-              <a:t>: haunh8@student.op.ac.nz</a:t>
-            </a:r>
-            <a:endParaRPr lang="en-US" dirty="0"/>
+              <a:t>:  https</a:t>
+            </a:r>
+            <a:r>
+              <a:rPr lang="en-US" dirty="0"/>
+              <a:t>://github.com/huanh8/Embaded-System/tree/main</a:t>
+            </a:r>
           </a:p>
         </p:txBody>
       </p:sp>
@@ -14958,7 +14975,7 @@
           </p:nvPr>
         </p:nvPicPr>
         <p:blipFill rotWithShape="1">
-          <a:blip r:embed="rId2" cstate="screen">
+          <a:blip r:embed="rId3" cstate="screen">
             <a:extLst>
               <a:ext uri="{28A0092B-C50C-407E-A947-70E740481C1C}">
                 <a14:useLocalDpi xmlns:a14="http://schemas.microsoft.com/office/drawing/2010/main" val="0"/>
@@ -14992,7 +15009,7 @@
           </p:nvPr>
         </p:nvPicPr>
         <p:blipFill rotWithShape="1">
-          <a:blip r:embed="rId3" cstate="screen">
+          <a:blip r:embed="rId4" cstate="screen">
             <a:extLst>
               <a:ext uri="{28A0092B-C50C-407E-A947-70E740481C1C}">
                 <a14:useLocalDpi xmlns:a14="http://schemas.microsoft.com/office/drawing/2010/main" val="0"/>
@@ -15923,6 +15940,15 @@
 </file>
 
 <file path=customXml/item1.xml><?xml version="1.0" encoding="utf-8"?>
+<?mso-contentType ?>
+<FormTemplates xmlns="http://schemas.microsoft.com/sharepoint/v3/contenttype/forms">
+  <Display>DocumentLibraryForm</Display>
+  <Edit>DocumentLibraryForm</Edit>
+  <New>DocumentLibraryForm</New>
+</FormTemplates>
+</file>
+
+<file path=customXml/item2.xml><?xml version="1.0" encoding="utf-8"?>
 <p:properties xmlns:p="http://schemas.microsoft.com/office/2006/metadata/properties" xmlns:xsi="http://www.w3.org/2001/XMLSchema-instance" xmlns:pc="http://schemas.microsoft.com/office/infopath/2007/PartnerControls">
   <documentManagement>
     <_ip_UnifiedCompliancePolicyUIAction xmlns="http://schemas.microsoft.com/sharepoint/v3" xsi:nil="true"/>
@@ -15939,15 +15965,6 @@
     <MediaServiceKeyPoints xmlns="71af3243-3dd4-4a8d-8c0d-dd76da1f02a5" xsi:nil="true"/>
   </documentManagement>
 </p:properties>
-</file>
-
-<file path=customXml/item2.xml><?xml version="1.0" encoding="utf-8"?>
-<?mso-contentType ?>
-<FormTemplates xmlns="http://schemas.microsoft.com/sharepoint/v3/contenttype/forms">
-  <Display>DocumentLibraryForm</Display>
-  <Edit>DocumentLibraryForm</Edit>
-  <New>DocumentLibraryForm</New>
-</FormTemplates>
 </file>
 
 <file path=customXml/item3.xml><?xml version="1.0" encoding="utf-8"?>
@@ -16227,6 +16244,14 @@
 </file>
 
 <file path=customXml/itemProps1.xml><?xml version="1.0" encoding="utf-8"?>
+<ds:datastoreItem xmlns:ds="http://schemas.openxmlformats.org/officeDocument/2006/customXml" ds:itemID="{904751AB-E840-446F-8D49-E697067EC887}">
+  <ds:schemaRefs>
+    <ds:schemaRef ds:uri="http://schemas.microsoft.com/sharepoint/v3/contenttype/forms"/>
+  </ds:schemaRefs>
+</ds:datastoreItem>
+</file>
+
+<file path=customXml/itemProps2.xml><?xml version="1.0" encoding="utf-8"?>
 <ds:datastoreItem xmlns:ds="http://schemas.openxmlformats.org/officeDocument/2006/customXml" ds:itemID="{50811A92-D464-4AC4-A396-BA73B10CEEAC}">
   <ds:schemaRefs>
     <ds:schemaRef ds:uri="http://schemas.microsoft.com/office/2006/metadata/properties"/>
@@ -16234,14 +16259,6 @@
     <ds:schemaRef ds:uri="http://schemas.microsoft.com/sharepoint/v3"/>
     <ds:schemaRef ds:uri="71af3243-3dd4-4a8d-8c0d-dd76da1f02a5"/>
     <ds:schemaRef ds:uri="230e9df3-be65-4c73-a93b-d1236ebd677e"/>
-  </ds:schemaRefs>
-</ds:datastoreItem>
-</file>
-
-<file path=customXml/itemProps2.xml><?xml version="1.0" encoding="utf-8"?>
-<ds:datastoreItem xmlns:ds="http://schemas.openxmlformats.org/officeDocument/2006/customXml" ds:itemID="{904751AB-E840-446F-8D49-E697067EC887}">
-  <ds:schemaRefs>
-    <ds:schemaRef ds:uri="http://schemas.microsoft.com/sharepoint/v3/contenttype/forms"/>
   </ds:schemaRefs>
 </ds:datastoreItem>
 </file>
